--- a/lessons/E_SyntacticParsing_DataSources/D5_live_B_webscraping.pptx
+++ b/lessons/E_SyntacticParsing_DataSources/D5_live_B_webscraping.pptx
@@ -223,7 +223,7 @@
           <a:p>
             <a:fld id="{B0C0A60C-850A-4EA4-9C14-A8FE98B94505}" type="datetimeFigureOut">
               <a:rPr lang="en-US" smtClean="0"/>
-              <a:t>6/10/20</a:t>
+              <a:t>1/2/21</a:t>
             </a:fld>
             <a:endParaRPr lang="en-US"/>
           </a:p>
@@ -622,7 +622,7 @@
           <a:p>
             <a:fld id="{5738B90E-0779-4C36-915C-6F05FCD89456}" type="datetime1">
               <a:rPr lang="en-US" smtClean="0"/>
-              <a:t>6/10/20</a:t>
+              <a:t>1/2/21</a:t>
             </a:fld>
             <a:endParaRPr lang="en-US"/>
           </a:p>
@@ -656,47 +656,6 @@
           </a:p>
         </p:txBody>
       </p:sp>
-      <p:pic>
-        <p:nvPicPr>
-          <p:cNvPr id="12290" name="Picture 2" descr="Image result for harvard logo transparent"/>
-          <p:cNvPicPr>
-            <a:picLocks noChangeAspect="1" noChangeArrowheads="1"/>
-          </p:cNvPicPr>
-          <p:nvPr userDrawn="1"/>
-        </p:nvPicPr>
-        <p:blipFill>
-          <a:blip r:embed="rId2" cstate="print">
-            <a:extLst>
-              <a:ext uri="{28A0092B-C50C-407E-A947-70E740481C1C}">
-                <a14:useLocalDpi xmlns:a14="http://schemas.microsoft.com/office/drawing/2010/main" val="0"/>
-              </a:ext>
-            </a:extLst>
-          </a:blip>
-          <a:srcRect/>
-          <a:stretch>
-            <a:fillRect/>
-          </a:stretch>
-        </p:blipFill>
-        <p:spPr bwMode="auto">
-          <a:xfrm>
-            <a:off x="7315200" y="6248400"/>
-            <a:ext cx="1828800" cy="609600"/>
-          </a:xfrm>
-          <a:prstGeom prst="rect">
-            <a:avLst/>
-          </a:prstGeom>
-          <a:noFill/>
-          <a:extLst>
-            <a:ext uri="{909E8E84-426E-40DD-AFC4-6F175D3DCCD1}">
-              <a14:hiddenFill xmlns:a14="http://schemas.microsoft.com/office/drawing/2010/main">
-                <a:solidFill>
-                  <a:srgbClr val="FFFFFF"/>
-                </a:solidFill>
-              </a14:hiddenFill>
-            </a:ext>
-          </a:extLst>
-        </p:spPr>
-      </p:pic>
       <p:sp>
         <p:nvSpPr>
           <p:cNvPr id="9" name="Footer Placeholder 4"/>
@@ -732,7 +691,7 @@
           <a:p>
             <a:r>
               <a:rPr lang="en-US" dirty="0"/>
-              <a:t>Kwartler CSCI 6</a:t>
+              <a:t>Kwartler</a:t>
             </a:r>
           </a:p>
         </p:txBody>
@@ -840,7 +799,7 @@
           <a:p>
             <a:fld id="{7B9EA29D-D431-42FE-B7B6-AAE4454C77D3}" type="datetime1">
               <a:rPr lang="en-US" smtClean="0"/>
-              <a:t>6/10/20</a:t>
+              <a:t>1/2/21</a:t>
             </a:fld>
             <a:endParaRPr lang="en-US"/>
           </a:p>
@@ -904,50 +863,15 @@
           </a:p>
         </p:txBody>
       </p:sp>
-      <p:pic>
-        <p:nvPicPr>
-          <p:cNvPr id="9" name="Picture 2" descr="Image result for harvard logo transparent"/>
-          <p:cNvPicPr>
-            <a:picLocks noChangeAspect="1" noChangeArrowheads="1"/>
-          </p:cNvPicPr>
-          <p:nvPr userDrawn="1"/>
-        </p:nvPicPr>
-        <p:blipFill>
-          <a:blip r:embed="rId2" cstate="print">
+      <p:sp>
+        <p:nvSpPr>
+          <p:cNvPr id="11" name="Footer Placeholder 4">
             <a:extLst>
-              <a:ext uri="{28A0092B-C50C-407E-A947-70E740481C1C}">
-                <a14:useLocalDpi xmlns:a14="http://schemas.microsoft.com/office/drawing/2010/main" val="0"/>
+              <a:ext uri="{FF2B5EF4-FFF2-40B4-BE49-F238E27FC236}">
+                <a16:creationId xmlns:a16="http://schemas.microsoft.com/office/drawing/2014/main" id="{08B38DC1-04E3-CE46-825A-E32AA029D872}"/>
               </a:ext>
             </a:extLst>
-          </a:blip>
-          <a:srcRect/>
-          <a:stretch>
-            <a:fillRect/>
-          </a:stretch>
-        </p:blipFill>
-        <p:spPr bwMode="auto">
-          <a:xfrm>
-            <a:off x="7315200" y="6248400"/>
-            <a:ext cx="1828800" cy="609600"/>
-          </a:xfrm>
-          <a:prstGeom prst="rect">
-            <a:avLst/>
-          </a:prstGeom>
-          <a:noFill/>
-          <a:extLst>
-            <a:ext uri="{909E8E84-426E-40DD-AFC4-6F175D3DCCD1}">
-              <a14:hiddenFill xmlns:a14="http://schemas.microsoft.com/office/drawing/2010/main">
-                <a:solidFill>
-                  <a:srgbClr val="FFFFFF"/>
-                </a:solidFill>
-              </a14:hiddenFill>
-            </a:ext>
-          </a:extLst>
-        </p:spPr>
-      </p:pic>
-      <p:sp>
-        <p:nvSpPr>
-          <p:cNvPr id="10" name="Footer Placeholder 4"/>
+          </p:cNvPr>
           <p:cNvSpPr>
             <a:spLocks noGrp="1"/>
           </p:cNvSpPr>
@@ -980,7 +904,7 @@
           <a:p>
             <a:r>
               <a:rPr lang="en-US" dirty="0"/>
-              <a:t>Kwartler CSCI 6</a:t>
+              <a:t>Kwartler</a:t>
             </a:r>
           </a:p>
         </p:txBody>
@@ -1118,7 +1042,7 @@
           <a:p>
             <a:fld id="{690D8A1E-EA8F-46C1-B891-AE0C00D9C314}" type="datetime1">
               <a:rPr lang="en-US" smtClean="0"/>
-              <a:t>6/10/20</a:t>
+              <a:t>1/2/21</a:t>
             </a:fld>
             <a:endParaRPr lang="en-US"/>
           </a:p>
@@ -1152,47 +1076,6 @@
           </a:p>
         </p:txBody>
       </p:sp>
-      <p:pic>
-        <p:nvPicPr>
-          <p:cNvPr id="8" name="Picture 2" descr="Image result for harvard logo transparent"/>
-          <p:cNvPicPr>
-            <a:picLocks noChangeAspect="1" noChangeArrowheads="1"/>
-          </p:cNvPicPr>
-          <p:nvPr userDrawn="1"/>
-        </p:nvPicPr>
-        <p:blipFill>
-          <a:blip r:embed="rId2" cstate="print">
-            <a:extLst>
-              <a:ext uri="{28A0092B-C50C-407E-A947-70E740481C1C}">
-                <a14:useLocalDpi xmlns:a14="http://schemas.microsoft.com/office/drawing/2010/main" val="0"/>
-              </a:ext>
-            </a:extLst>
-          </a:blip>
-          <a:srcRect/>
-          <a:stretch>
-            <a:fillRect/>
-          </a:stretch>
-        </p:blipFill>
-        <p:spPr bwMode="auto">
-          <a:xfrm>
-            <a:off x="7315200" y="6248400"/>
-            <a:ext cx="1828800" cy="609600"/>
-          </a:xfrm>
-          <a:prstGeom prst="rect">
-            <a:avLst/>
-          </a:prstGeom>
-          <a:noFill/>
-          <a:extLst>
-            <a:ext uri="{909E8E84-426E-40DD-AFC4-6F175D3DCCD1}">
-              <a14:hiddenFill xmlns:a14="http://schemas.microsoft.com/office/drawing/2010/main">
-                <a:solidFill>
-                  <a:srgbClr val="FFFFFF"/>
-                </a:solidFill>
-              </a14:hiddenFill>
-            </a:ext>
-          </a:extLst>
-        </p:spPr>
-      </p:pic>
       <p:sp>
         <p:nvSpPr>
           <p:cNvPr id="9" name="Title 1"/>
@@ -1241,7 +1124,13 @@
       </p:sp>
       <p:sp>
         <p:nvSpPr>
-          <p:cNvPr id="11" name="Footer Placeholder 4"/>
+          <p:cNvPr id="10" name="Footer Placeholder 4">
+            <a:extLst>
+              <a:ext uri="{FF2B5EF4-FFF2-40B4-BE49-F238E27FC236}">
+                <a16:creationId xmlns:a16="http://schemas.microsoft.com/office/drawing/2014/main" id="{E81B003B-A075-2D4E-B6C8-1D33B3850B8F}"/>
+              </a:ext>
+            </a:extLst>
+          </p:cNvPr>
           <p:cNvSpPr>
             <a:spLocks noGrp="1"/>
           </p:cNvSpPr>
@@ -1274,7 +1163,7 @@
           <a:p>
             <a:r>
               <a:rPr lang="en-US" dirty="0"/>
-              <a:t>Kwartler CSCI 6</a:t>
+              <a:t>Kwartler</a:t>
             </a:r>
           </a:p>
         </p:txBody>
@@ -1412,7 +1301,7 @@
           <a:p>
             <a:fld id="{D753EFC8-4232-4598-94F6-94C0EBAFC469}" type="datetime1">
               <a:rPr lang="en-US" smtClean="0"/>
-              <a:t>6/10/20</a:t>
+              <a:t>1/2/21</a:t>
             </a:fld>
             <a:endParaRPr lang="en-US"/>
           </a:p>
@@ -1446,50 +1335,15 @@
           </a:p>
         </p:txBody>
       </p:sp>
-      <p:pic>
-        <p:nvPicPr>
-          <p:cNvPr id="8" name="Picture 2" descr="Image result for harvard logo transparent"/>
-          <p:cNvPicPr>
-            <a:picLocks noChangeAspect="1" noChangeArrowheads="1"/>
-          </p:cNvPicPr>
-          <p:nvPr userDrawn="1"/>
-        </p:nvPicPr>
-        <p:blipFill>
-          <a:blip r:embed="rId2" cstate="print">
+      <p:sp>
+        <p:nvSpPr>
+          <p:cNvPr id="9" name="Footer Placeholder 4">
             <a:extLst>
-              <a:ext uri="{28A0092B-C50C-407E-A947-70E740481C1C}">
-                <a14:useLocalDpi xmlns:a14="http://schemas.microsoft.com/office/drawing/2010/main" val="0"/>
+              <a:ext uri="{FF2B5EF4-FFF2-40B4-BE49-F238E27FC236}">
+                <a16:creationId xmlns:a16="http://schemas.microsoft.com/office/drawing/2014/main" id="{2F21FD83-E845-4D44-AA24-71C0CFEFC4B1}"/>
               </a:ext>
             </a:extLst>
-          </a:blip>
-          <a:srcRect/>
-          <a:stretch>
-            <a:fillRect/>
-          </a:stretch>
-        </p:blipFill>
-        <p:spPr bwMode="auto">
-          <a:xfrm>
-            <a:off x="7315200" y="6248400"/>
-            <a:ext cx="1828800" cy="609600"/>
-          </a:xfrm>
-          <a:prstGeom prst="rect">
-            <a:avLst/>
-          </a:prstGeom>
-          <a:noFill/>
-          <a:extLst>
-            <a:ext uri="{909E8E84-426E-40DD-AFC4-6F175D3DCCD1}">
-              <a14:hiddenFill xmlns:a14="http://schemas.microsoft.com/office/drawing/2010/main">
-                <a:solidFill>
-                  <a:srgbClr val="FFFFFF"/>
-                </a:solidFill>
-              </a14:hiddenFill>
-            </a:ext>
-          </a:extLst>
-        </p:spPr>
-      </p:pic>
-      <p:sp>
-        <p:nvSpPr>
-          <p:cNvPr id="10" name="Footer Placeholder 4"/>
+          </p:cNvPr>
           <p:cNvSpPr>
             <a:spLocks noGrp="1"/>
           </p:cNvSpPr>
@@ -1522,7 +1376,7 @@
           <a:p>
             <a:r>
               <a:rPr lang="en-US" dirty="0"/>
-              <a:t>Kwartler CSCI 6</a:t>
+              <a:t>Kwartler</a:t>
             </a:r>
           </a:p>
         </p:txBody>
@@ -1727,7 +1581,7 @@
           <a:p>
             <a:fld id="{F3161074-1C18-4AE7-957D-F18524378C85}" type="datetime1">
               <a:rPr lang="en-US" smtClean="0"/>
-              <a:t>6/10/20</a:t>
+              <a:t>1/2/21</a:t>
             </a:fld>
             <a:endParaRPr lang="en-US"/>
           </a:p>
@@ -1761,50 +1615,15 @@
           </a:p>
         </p:txBody>
       </p:sp>
-      <p:pic>
-        <p:nvPicPr>
-          <p:cNvPr id="8" name="Picture 2" descr="Image result for harvard logo transparent"/>
-          <p:cNvPicPr>
-            <a:picLocks noChangeAspect="1" noChangeArrowheads="1"/>
-          </p:cNvPicPr>
-          <p:nvPr userDrawn="1"/>
-        </p:nvPicPr>
-        <p:blipFill>
-          <a:blip r:embed="rId2" cstate="print">
+      <p:sp>
+        <p:nvSpPr>
+          <p:cNvPr id="9" name="Footer Placeholder 4">
             <a:extLst>
-              <a:ext uri="{28A0092B-C50C-407E-A947-70E740481C1C}">
-                <a14:useLocalDpi xmlns:a14="http://schemas.microsoft.com/office/drawing/2010/main" val="0"/>
+              <a:ext uri="{FF2B5EF4-FFF2-40B4-BE49-F238E27FC236}">
+                <a16:creationId xmlns:a16="http://schemas.microsoft.com/office/drawing/2014/main" id="{4653D4AA-DE14-3048-B6A1-7F4A4FE9E9A9}"/>
               </a:ext>
             </a:extLst>
-          </a:blip>
-          <a:srcRect/>
-          <a:stretch>
-            <a:fillRect/>
-          </a:stretch>
-        </p:blipFill>
-        <p:spPr bwMode="auto">
-          <a:xfrm>
-            <a:off x="7315200" y="6248400"/>
-            <a:ext cx="1828800" cy="609600"/>
-          </a:xfrm>
-          <a:prstGeom prst="rect">
-            <a:avLst/>
-          </a:prstGeom>
-          <a:noFill/>
-          <a:extLst>
-            <a:ext uri="{909E8E84-426E-40DD-AFC4-6F175D3DCCD1}">
-              <a14:hiddenFill xmlns:a14="http://schemas.microsoft.com/office/drawing/2010/main">
-                <a:solidFill>
-                  <a:srgbClr val="FFFFFF"/>
-                </a:solidFill>
-              </a14:hiddenFill>
-            </a:ext>
-          </a:extLst>
-        </p:spPr>
-      </p:pic>
-      <p:sp>
-        <p:nvSpPr>
-          <p:cNvPr id="10" name="Footer Placeholder 4"/>
+          </p:cNvPr>
           <p:cNvSpPr>
             <a:spLocks noGrp="1"/>
           </p:cNvSpPr>
@@ -1837,7 +1656,7 @@
           <a:p>
             <a:r>
               <a:rPr lang="en-US" dirty="0"/>
-              <a:t>Kwartler CSCI 6</a:t>
+              <a:t>Kwartler</a:t>
             </a:r>
           </a:p>
         </p:txBody>
@@ -2001,7 +1820,7 @@
           <a:p>
             <a:fld id="{69BE256C-8D9A-4404-B47D-41A1AE514425}" type="datetime1">
               <a:rPr lang="en-US" smtClean="0"/>
-              <a:t>6/10/20</a:t>
+              <a:t>1/2/21</a:t>
             </a:fld>
             <a:endParaRPr lang="en-US"/>
           </a:p>
@@ -2065,50 +1884,15 @@
           </a:p>
         </p:txBody>
       </p:sp>
-      <p:pic>
-        <p:nvPicPr>
-          <p:cNvPr id="10" name="Picture 2" descr="Image result for harvard logo transparent"/>
-          <p:cNvPicPr>
-            <a:picLocks noChangeAspect="1" noChangeArrowheads="1"/>
-          </p:cNvPicPr>
-          <p:nvPr userDrawn="1"/>
-        </p:nvPicPr>
-        <p:blipFill>
-          <a:blip r:embed="rId2" cstate="print">
+      <p:sp>
+        <p:nvSpPr>
+          <p:cNvPr id="11" name="Footer Placeholder 4">
             <a:extLst>
-              <a:ext uri="{28A0092B-C50C-407E-A947-70E740481C1C}">
-                <a14:useLocalDpi xmlns:a14="http://schemas.microsoft.com/office/drawing/2010/main" val="0"/>
+              <a:ext uri="{FF2B5EF4-FFF2-40B4-BE49-F238E27FC236}">
+                <a16:creationId xmlns:a16="http://schemas.microsoft.com/office/drawing/2014/main" id="{6AB7A1D6-306D-8544-824C-BD30F3E24401}"/>
               </a:ext>
             </a:extLst>
-          </a:blip>
-          <a:srcRect/>
-          <a:stretch>
-            <a:fillRect/>
-          </a:stretch>
-        </p:blipFill>
-        <p:spPr bwMode="auto">
-          <a:xfrm>
-            <a:off x="7315200" y="6248400"/>
-            <a:ext cx="1828800" cy="609600"/>
-          </a:xfrm>
-          <a:prstGeom prst="rect">
-            <a:avLst/>
-          </a:prstGeom>
-          <a:noFill/>
-          <a:extLst>
-            <a:ext uri="{909E8E84-426E-40DD-AFC4-6F175D3DCCD1}">
-              <a14:hiddenFill xmlns:a14="http://schemas.microsoft.com/office/drawing/2010/main">
-                <a:solidFill>
-                  <a:srgbClr val="FFFFFF"/>
-                </a:solidFill>
-              </a14:hiddenFill>
-            </a:ext>
-          </a:extLst>
-        </p:spPr>
-      </p:pic>
-      <p:sp>
-        <p:nvSpPr>
-          <p:cNvPr id="12" name="Footer Placeholder 4"/>
+          </p:cNvPr>
           <p:cNvSpPr>
             <a:spLocks noGrp="1"/>
           </p:cNvSpPr>
@@ -2141,7 +1925,7 @@
           <a:p>
             <a:r>
               <a:rPr lang="en-US" dirty="0"/>
-              <a:t>Kwartler CSCI 6</a:t>
+              <a:t>Kwartler</a:t>
             </a:r>
           </a:p>
         </p:txBody>
@@ -2435,7 +2219,7 @@
           <a:p>
             <a:fld id="{66CB2154-9035-4012-8189-BAAB61C5A5EE}" type="datetime1">
               <a:rPr lang="en-US" smtClean="0"/>
-              <a:t>6/10/20</a:t>
+              <a:t>1/2/21</a:t>
             </a:fld>
             <a:endParaRPr lang="en-US"/>
           </a:p>
@@ -2499,50 +2283,15 @@
           </a:p>
         </p:txBody>
       </p:sp>
-      <p:pic>
-        <p:nvPicPr>
-          <p:cNvPr id="12" name="Picture 2" descr="Image result for harvard logo transparent"/>
-          <p:cNvPicPr>
-            <a:picLocks noChangeAspect="1" noChangeArrowheads="1"/>
-          </p:cNvPicPr>
-          <p:nvPr userDrawn="1"/>
-        </p:nvPicPr>
-        <p:blipFill>
-          <a:blip r:embed="rId2" cstate="print">
+      <p:sp>
+        <p:nvSpPr>
+          <p:cNvPr id="14" name="Footer Placeholder 4">
             <a:extLst>
-              <a:ext uri="{28A0092B-C50C-407E-A947-70E740481C1C}">
-                <a14:useLocalDpi xmlns:a14="http://schemas.microsoft.com/office/drawing/2010/main" val="0"/>
+              <a:ext uri="{FF2B5EF4-FFF2-40B4-BE49-F238E27FC236}">
+                <a16:creationId xmlns:a16="http://schemas.microsoft.com/office/drawing/2014/main" id="{898D24DD-2EAB-0A4C-81D2-4EFF3BCED50A}"/>
               </a:ext>
             </a:extLst>
-          </a:blip>
-          <a:srcRect/>
-          <a:stretch>
-            <a:fillRect/>
-          </a:stretch>
-        </p:blipFill>
-        <p:spPr bwMode="auto">
-          <a:xfrm>
-            <a:off x="7315200" y="6248400"/>
-            <a:ext cx="1828800" cy="609600"/>
-          </a:xfrm>
-          <a:prstGeom prst="rect">
-            <a:avLst/>
-          </a:prstGeom>
-          <a:noFill/>
-          <a:extLst>
-            <a:ext uri="{909E8E84-426E-40DD-AFC4-6F175D3DCCD1}">
-              <a14:hiddenFill xmlns:a14="http://schemas.microsoft.com/office/drawing/2010/main">
-                <a:solidFill>
-                  <a:srgbClr val="FFFFFF"/>
-                </a:solidFill>
-              </a14:hiddenFill>
-            </a:ext>
-          </a:extLst>
-        </p:spPr>
-      </p:pic>
-      <p:sp>
-        <p:nvSpPr>
-          <p:cNvPr id="13" name="Footer Placeholder 4"/>
+          </p:cNvPr>
           <p:cNvSpPr>
             <a:spLocks noGrp="1"/>
           </p:cNvSpPr>
@@ -2575,7 +2324,7 @@
           <a:p>
             <a:r>
               <a:rPr lang="en-US" dirty="0"/>
-              <a:t>Kwartler CSCI 6</a:t>
+              <a:t>Kwartler</a:t>
             </a:r>
           </a:p>
         </p:txBody>
@@ -2627,7 +2376,7 @@
           <a:p>
             <a:fld id="{6700A58B-DD98-43D0-B791-721480A02982}" type="datetime1">
               <a:rPr lang="en-US" smtClean="0"/>
-              <a:t>6/10/20</a:t>
+              <a:t>1/2/21</a:t>
             </a:fld>
             <a:endParaRPr lang="en-US"/>
           </a:p>
@@ -2691,50 +2440,15 @@
           </a:p>
         </p:txBody>
       </p:sp>
-      <p:pic>
-        <p:nvPicPr>
-          <p:cNvPr id="8" name="Picture 2" descr="Image result for harvard logo transparent"/>
-          <p:cNvPicPr>
-            <a:picLocks noChangeAspect="1" noChangeArrowheads="1"/>
-          </p:cNvPicPr>
-          <p:nvPr userDrawn="1"/>
-        </p:nvPicPr>
-        <p:blipFill>
-          <a:blip r:embed="rId2" cstate="print">
+      <p:sp>
+        <p:nvSpPr>
+          <p:cNvPr id="9" name="Footer Placeholder 4">
             <a:extLst>
-              <a:ext uri="{28A0092B-C50C-407E-A947-70E740481C1C}">
-                <a14:useLocalDpi xmlns:a14="http://schemas.microsoft.com/office/drawing/2010/main" val="0"/>
+              <a:ext uri="{FF2B5EF4-FFF2-40B4-BE49-F238E27FC236}">
+                <a16:creationId xmlns:a16="http://schemas.microsoft.com/office/drawing/2014/main" id="{18412D2A-C5A7-3548-A5C7-13019B0FD63A}"/>
               </a:ext>
             </a:extLst>
-          </a:blip>
-          <a:srcRect/>
-          <a:stretch>
-            <a:fillRect/>
-          </a:stretch>
-        </p:blipFill>
-        <p:spPr bwMode="auto">
-          <a:xfrm>
-            <a:off x="7315200" y="6248400"/>
-            <a:ext cx="1828800" cy="609600"/>
-          </a:xfrm>
-          <a:prstGeom prst="rect">
-            <a:avLst/>
-          </a:prstGeom>
-          <a:noFill/>
-          <a:extLst>
-            <a:ext uri="{909E8E84-426E-40DD-AFC4-6F175D3DCCD1}">
-              <a14:hiddenFill xmlns:a14="http://schemas.microsoft.com/office/drawing/2010/main">
-                <a:solidFill>
-                  <a:srgbClr val="FFFFFF"/>
-                </a:solidFill>
-              </a14:hiddenFill>
-            </a:ext>
-          </a:extLst>
-        </p:spPr>
-      </p:pic>
-      <p:sp>
-        <p:nvSpPr>
-          <p:cNvPr id="10" name="Footer Placeholder 4"/>
+          </p:cNvPr>
           <p:cNvSpPr>
             <a:spLocks noGrp="1"/>
           </p:cNvSpPr>
@@ -2767,7 +2481,7 @@
           <a:p>
             <a:r>
               <a:rPr lang="en-US" dirty="0"/>
-              <a:t>Kwartler CSCI 6</a:t>
+              <a:t>Kwartler</a:t>
             </a:r>
           </a:p>
         </p:txBody>
@@ -2819,7 +2533,7 @@
           <a:p>
             <a:fld id="{7DB6E382-4F61-4E24-BE1A-377EC83D0E3A}" type="datetime1">
               <a:rPr lang="en-US" smtClean="0"/>
-              <a:t>6/10/20</a:t>
+              <a:t>1/2/21</a:t>
             </a:fld>
             <a:endParaRPr lang="en-US"/>
           </a:p>
@@ -2853,50 +2567,15 @@
           </a:p>
         </p:txBody>
       </p:sp>
-      <p:pic>
-        <p:nvPicPr>
-          <p:cNvPr id="6" name="Picture 2" descr="Image result for harvard logo transparent"/>
-          <p:cNvPicPr>
-            <a:picLocks noChangeAspect="1" noChangeArrowheads="1"/>
-          </p:cNvPicPr>
-          <p:nvPr userDrawn="1"/>
-        </p:nvPicPr>
-        <p:blipFill>
-          <a:blip r:embed="rId2" cstate="print">
+      <p:sp>
+        <p:nvSpPr>
+          <p:cNvPr id="8" name="Footer Placeholder 4">
             <a:extLst>
-              <a:ext uri="{28A0092B-C50C-407E-A947-70E740481C1C}">
-                <a14:useLocalDpi xmlns:a14="http://schemas.microsoft.com/office/drawing/2010/main" val="0"/>
+              <a:ext uri="{FF2B5EF4-FFF2-40B4-BE49-F238E27FC236}">
+                <a16:creationId xmlns:a16="http://schemas.microsoft.com/office/drawing/2014/main" id="{ECFA2A34-CB26-6B40-8661-02C7EB6A242E}"/>
               </a:ext>
             </a:extLst>
-          </a:blip>
-          <a:srcRect/>
-          <a:stretch>
-            <a:fillRect/>
-          </a:stretch>
-        </p:blipFill>
-        <p:spPr bwMode="auto">
-          <a:xfrm>
-            <a:off x="7315200" y="6248400"/>
-            <a:ext cx="1828800" cy="609600"/>
-          </a:xfrm>
-          <a:prstGeom prst="rect">
-            <a:avLst/>
-          </a:prstGeom>
-          <a:noFill/>
-          <a:extLst>
-            <a:ext uri="{909E8E84-426E-40DD-AFC4-6F175D3DCCD1}">
-              <a14:hiddenFill xmlns:a14="http://schemas.microsoft.com/office/drawing/2010/main">
-                <a:solidFill>
-                  <a:srgbClr val="FFFFFF"/>
-                </a:solidFill>
-              </a14:hiddenFill>
-            </a:ext>
-          </a:extLst>
-        </p:spPr>
-      </p:pic>
-      <p:sp>
-        <p:nvSpPr>
-          <p:cNvPr id="7" name="Footer Placeholder 4"/>
+          </p:cNvPr>
           <p:cNvSpPr>
             <a:spLocks noGrp="1"/>
           </p:cNvSpPr>
@@ -2929,7 +2608,7 @@
           <a:p>
             <a:r>
               <a:rPr lang="en-US" dirty="0"/>
-              <a:t>Kwartler CSCI S-96</a:t>
+              <a:t>Kwartler</a:t>
             </a:r>
           </a:p>
         </p:txBody>
@@ -3130,7 +2809,7 @@
           <a:p>
             <a:fld id="{4142EED6-FC16-45B9-B8C4-2BC5DBA88325}" type="datetime1">
               <a:rPr lang="en-US" smtClean="0"/>
-              <a:t>6/10/20</a:t>
+              <a:t>1/2/21</a:t>
             </a:fld>
             <a:endParaRPr lang="en-US"/>
           </a:p>
@@ -3164,80 +2843,45 @@
           </a:p>
         </p:txBody>
       </p:sp>
-      <p:pic>
-        <p:nvPicPr>
-          <p:cNvPr id="9" name="Picture 2" descr="Image result for harvard logo transparent"/>
-          <p:cNvPicPr>
-            <a:picLocks noChangeAspect="1" noChangeArrowheads="1"/>
-          </p:cNvPicPr>
-          <p:nvPr userDrawn="1"/>
-        </p:nvPicPr>
-        <p:blipFill>
-          <a:blip r:embed="rId2" cstate="print">
+      <p:sp>
+        <p:nvSpPr>
+          <p:cNvPr id="10" name="Title 1"/>
+          <p:cNvSpPr>
+            <a:spLocks noGrp="1"/>
+          </p:cNvSpPr>
+          <p:nvPr>
+            <p:ph type="title"/>
+          </p:nvPr>
+        </p:nvSpPr>
+        <p:spPr>
+          <a:xfrm>
+            <a:off x="628650" y="365126"/>
+            <a:ext cx="7886700" cy="591477"/>
+          </a:xfrm>
+          <a:prstGeom prst="rect">
+            <a:avLst/>
+          </a:prstGeom>
+        </p:spPr>
+        <p:txBody>
+          <a:bodyPr/>
+          <a:lstStyle/>
+          <a:p>
+            <a:r>
+              <a:rPr lang="en-US"/>
+              <a:t>Click to edit Master title style</a:t>
+            </a:r>
+          </a:p>
+        </p:txBody>
+      </p:sp>
+      <p:sp>
+        <p:nvSpPr>
+          <p:cNvPr id="11" name="Footer Placeholder 4">
             <a:extLst>
-              <a:ext uri="{28A0092B-C50C-407E-A947-70E740481C1C}">
-                <a14:useLocalDpi xmlns:a14="http://schemas.microsoft.com/office/drawing/2010/main" val="0"/>
+              <a:ext uri="{FF2B5EF4-FFF2-40B4-BE49-F238E27FC236}">
+                <a16:creationId xmlns:a16="http://schemas.microsoft.com/office/drawing/2014/main" id="{1C951B04-C39A-054A-8349-93B49F728F76}"/>
               </a:ext>
             </a:extLst>
-          </a:blip>
-          <a:srcRect/>
-          <a:stretch>
-            <a:fillRect/>
-          </a:stretch>
-        </p:blipFill>
-        <p:spPr bwMode="auto">
-          <a:xfrm>
-            <a:off x="7315200" y="6248400"/>
-            <a:ext cx="1828800" cy="609600"/>
-          </a:xfrm>
-          <a:prstGeom prst="rect">
-            <a:avLst/>
-          </a:prstGeom>
-          <a:noFill/>
-          <a:extLst>
-            <a:ext uri="{909E8E84-426E-40DD-AFC4-6F175D3DCCD1}">
-              <a14:hiddenFill xmlns:a14="http://schemas.microsoft.com/office/drawing/2010/main">
-                <a:solidFill>
-                  <a:srgbClr val="FFFFFF"/>
-                </a:solidFill>
-              </a14:hiddenFill>
-            </a:ext>
-          </a:extLst>
-        </p:spPr>
-      </p:pic>
-      <p:sp>
-        <p:nvSpPr>
-          <p:cNvPr id="10" name="Title 1"/>
-          <p:cNvSpPr>
-            <a:spLocks noGrp="1"/>
-          </p:cNvSpPr>
-          <p:nvPr>
-            <p:ph type="title"/>
-          </p:nvPr>
-        </p:nvSpPr>
-        <p:spPr>
-          <a:xfrm>
-            <a:off x="628650" y="365126"/>
-            <a:ext cx="7886700" cy="591477"/>
-          </a:xfrm>
-          <a:prstGeom prst="rect">
-            <a:avLst/>
-          </a:prstGeom>
-        </p:spPr>
-        <p:txBody>
-          <a:bodyPr/>
-          <a:lstStyle/>
-          <a:p>
-            <a:r>
-              <a:rPr lang="en-US"/>
-              <a:t>Click to edit Master title style</a:t>
-            </a:r>
-          </a:p>
-        </p:txBody>
-      </p:sp>
-      <p:sp>
-        <p:nvSpPr>
-          <p:cNvPr id="12" name="Footer Placeholder 4"/>
+          </p:cNvPr>
           <p:cNvSpPr>
             <a:spLocks noGrp="1"/>
           </p:cNvSpPr>
@@ -3270,7 +2914,7 @@
           <a:p>
             <a:r>
               <a:rPr lang="en-US" dirty="0"/>
-              <a:t>Kwartler CSCI 6</a:t>
+              <a:t>Kwartler</a:t>
             </a:r>
           </a:p>
         </p:txBody>
@@ -3448,7 +3092,7 @@
           <a:p>
             <a:fld id="{DF59512B-4F1D-43D7-8819-2F53FEF69650}" type="datetime1">
               <a:rPr lang="en-US" smtClean="0"/>
-              <a:t>6/10/20</a:t>
+              <a:t>1/2/21</a:t>
             </a:fld>
             <a:endParaRPr lang="en-US"/>
           </a:p>
@@ -3482,80 +3126,45 @@
           </a:p>
         </p:txBody>
       </p:sp>
-      <p:pic>
-        <p:nvPicPr>
-          <p:cNvPr id="9" name="Picture 2" descr="Image result for harvard logo transparent"/>
-          <p:cNvPicPr>
-            <a:picLocks noChangeAspect="1" noChangeArrowheads="1"/>
-          </p:cNvPicPr>
-          <p:nvPr userDrawn="1"/>
-        </p:nvPicPr>
-        <p:blipFill>
-          <a:blip r:embed="rId2" cstate="print">
+      <p:sp>
+        <p:nvSpPr>
+          <p:cNvPr id="10" name="Title 1"/>
+          <p:cNvSpPr>
+            <a:spLocks noGrp="1"/>
+          </p:cNvSpPr>
+          <p:nvPr>
+            <p:ph type="title"/>
+          </p:nvPr>
+        </p:nvSpPr>
+        <p:spPr>
+          <a:xfrm>
+            <a:off x="628650" y="365126"/>
+            <a:ext cx="7886700" cy="591477"/>
+          </a:xfrm>
+          <a:prstGeom prst="rect">
+            <a:avLst/>
+          </a:prstGeom>
+        </p:spPr>
+        <p:txBody>
+          <a:bodyPr/>
+          <a:lstStyle/>
+          <a:p>
+            <a:r>
+              <a:rPr lang="en-US"/>
+              <a:t>Click to edit Master title style</a:t>
+            </a:r>
+          </a:p>
+        </p:txBody>
+      </p:sp>
+      <p:sp>
+        <p:nvSpPr>
+          <p:cNvPr id="11" name="Footer Placeholder 4">
             <a:extLst>
-              <a:ext uri="{28A0092B-C50C-407E-A947-70E740481C1C}">
-                <a14:useLocalDpi xmlns:a14="http://schemas.microsoft.com/office/drawing/2010/main" val="0"/>
+              <a:ext uri="{FF2B5EF4-FFF2-40B4-BE49-F238E27FC236}">
+                <a16:creationId xmlns:a16="http://schemas.microsoft.com/office/drawing/2014/main" id="{D583E6BF-4FDA-5646-A60A-91D27C1F73AD}"/>
               </a:ext>
             </a:extLst>
-          </a:blip>
-          <a:srcRect/>
-          <a:stretch>
-            <a:fillRect/>
-          </a:stretch>
-        </p:blipFill>
-        <p:spPr bwMode="auto">
-          <a:xfrm>
-            <a:off x="7315200" y="6248400"/>
-            <a:ext cx="1828800" cy="609600"/>
-          </a:xfrm>
-          <a:prstGeom prst="rect">
-            <a:avLst/>
-          </a:prstGeom>
-          <a:noFill/>
-          <a:extLst>
-            <a:ext uri="{909E8E84-426E-40DD-AFC4-6F175D3DCCD1}">
-              <a14:hiddenFill xmlns:a14="http://schemas.microsoft.com/office/drawing/2010/main">
-                <a:solidFill>
-                  <a:srgbClr val="FFFFFF"/>
-                </a:solidFill>
-              </a14:hiddenFill>
-            </a:ext>
-          </a:extLst>
-        </p:spPr>
-      </p:pic>
-      <p:sp>
-        <p:nvSpPr>
-          <p:cNvPr id="10" name="Title 1"/>
-          <p:cNvSpPr>
-            <a:spLocks noGrp="1"/>
-          </p:cNvSpPr>
-          <p:nvPr>
-            <p:ph type="title"/>
-          </p:nvPr>
-        </p:nvSpPr>
-        <p:spPr>
-          <a:xfrm>
-            <a:off x="628650" y="365126"/>
-            <a:ext cx="7886700" cy="591477"/>
-          </a:xfrm>
-          <a:prstGeom prst="rect">
-            <a:avLst/>
-          </a:prstGeom>
-        </p:spPr>
-        <p:txBody>
-          <a:bodyPr/>
-          <a:lstStyle/>
-          <a:p>
-            <a:r>
-              <a:rPr lang="en-US"/>
-              <a:t>Click to edit Master title style</a:t>
-            </a:r>
-          </a:p>
-        </p:txBody>
-      </p:sp>
-      <p:sp>
-        <p:nvSpPr>
-          <p:cNvPr id="12" name="Footer Placeholder 4"/>
+          </p:cNvPr>
           <p:cNvSpPr>
             <a:spLocks noGrp="1"/>
           </p:cNvSpPr>
@@ -3588,7 +3197,7 @@
           <a:p>
             <a:r>
               <a:rPr lang="en-US" dirty="0"/>
-              <a:t>Kwartler CSCI 6</a:t>
+              <a:t>Kwartler</a:t>
             </a:r>
           </a:p>
         </p:txBody>
@@ -3724,7 +3333,7 @@
           <a:p>
             <a:fld id="{08437B94-E2BF-44DC-ADC5-B05FC9934E9D}" type="datetime1">
               <a:rPr lang="en-US" smtClean="0"/>
-              <a:t>6/10/20</a:t>
+              <a:t>1/2/21</a:t>
             </a:fld>
             <a:endParaRPr lang="en-US"/>
           </a:p>
@@ -3765,7 +3374,7 @@
           <a:p>
             <a:r>
               <a:rPr lang="en-US" dirty="0"/>
-              <a:t>Kwartler CSCI 6</a:t>
+              <a:t>Kwartler</a:t>
             </a:r>
           </a:p>
         </p:txBody>
@@ -4247,7 +3856,7 @@
           <a:p>
             <a:fld id="{5738B90E-0779-4C36-915C-6F05FCD89456}" type="datetime1">
               <a:rPr lang="en-US" smtClean="0"/>
-              <a:t>6/10/20</a:t>
+              <a:t>1/2/21</a:t>
             </a:fld>
             <a:endParaRPr lang="en-US"/>
           </a:p>
@@ -4255,10 +3864,10 @@
       </p:sp>
       <p:sp>
         <p:nvSpPr>
-          <p:cNvPr id="7" name="Footer Placeholder 4">
+          <p:cNvPr id="6" name="Footer Placeholder 4">
             <a:extLst>
               <a:ext uri="{FF2B5EF4-FFF2-40B4-BE49-F238E27FC236}">
-                <a16:creationId xmlns:a16="http://schemas.microsoft.com/office/drawing/2014/main" id="{520EE3CB-0826-544D-B7FD-3CE690D53365}"/>
+                <a16:creationId xmlns:a16="http://schemas.microsoft.com/office/drawing/2014/main" id="{C97C82EE-73DE-6D45-99A1-60C03A47BA6F}"/>
               </a:ext>
             </a:extLst>
           </p:cNvPr>
@@ -4274,14 +3883,27 @@
             <a:off x="3028950" y="6356351"/>
             <a:ext cx="3086100" cy="365125"/>
           </a:xfrm>
-        </p:spPr>
-        <p:txBody>
-          <a:bodyPr/>
-          <a:lstStyle/>
+          <a:prstGeom prst="rect">
+            <a:avLst/>
+          </a:prstGeom>
+        </p:spPr>
+        <p:txBody>
+          <a:bodyPr vert="horz" lIns="91440" tIns="45720" rIns="91440" bIns="45720" rtlCol="0" anchor="ctr"/>
+          <a:lstStyle>
+            <a:lvl1pPr algn="ctr">
+              <a:defRPr sz="900">
+                <a:solidFill>
+                  <a:schemeClr val="tx1">
+                    <a:tint val="75000"/>
+                  </a:schemeClr>
+                </a:solidFill>
+              </a:defRPr>
+            </a:lvl1pPr>
+          </a:lstStyle>
           <a:p>
             <a:r>
               <a:rPr lang="en-US" dirty="0"/>
-              <a:t>Kwartler CSCI 96</a:t>
+              <a:t>Kwartler</a:t>
             </a:r>
           </a:p>
         </p:txBody>
@@ -4339,7 +3961,7 @@
           <a:p>
             <a:fld id="{6700A58B-DD98-43D0-B791-721480A02982}" type="datetime1">
               <a:rPr lang="en-US" smtClean="0"/>
-              <a:t>6/10/20</a:t>
+              <a:t>1/2/21</a:t>
             </a:fld>
             <a:endParaRPr lang="en-US"/>
           </a:p>
@@ -4367,10 +3989,9 @@
           <a:lstStyle/>
           <a:p>
             <a:r>
-              <a:rPr lang="en-US" dirty="0" err="1"/>
-              <a:t>Miscelaneous</a:t>
-            </a:r>
-            <a:endParaRPr lang="en-US" dirty="0"/>
+              <a:rPr lang="en-US" dirty="0"/>
+              <a:t>Miscellaneous</a:t>
+            </a:r>
           </a:p>
         </p:txBody>
       </p:sp>
@@ -4400,35 +4021,6 @@
               <a:t>10</a:t>
             </a:fld>
             <a:endParaRPr lang="en-US"/>
-          </a:p>
-        </p:txBody>
-      </p:sp>
-      <p:sp>
-        <p:nvSpPr>
-          <p:cNvPr id="5" name="Footer Placeholder 4">
-            <a:extLst>
-              <a:ext uri="{FF2B5EF4-FFF2-40B4-BE49-F238E27FC236}">
-                <a16:creationId xmlns:a16="http://schemas.microsoft.com/office/drawing/2014/main" id="{D1C29743-FFCB-4D46-84DC-9EB0B102F549}"/>
-              </a:ext>
-            </a:extLst>
-          </p:cNvPr>
-          <p:cNvSpPr>
-            <a:spLocks noGrp="1"/>
-          </p:cNvSpPr>
-          <p:nvPr>
-            <p:ph type="ftr" sz="quarter" idx="3"/>
-          </p:nvPr>
-        </p:nvSpPr>
-        <p:spPr/>
-        <p:txBody>
-          <a:bodyPr/>
-          <a:lstStyle/>
-          <a:p>
-            <a:r>
-              <a:rPr lang="en-US"/>
-              <a:t>Kwartler CSCI 6</a:t>
-            </a:r>
-            <a:endParaRPr lang="en-US" dirty="0"/>
           </a:p>
         </p:txBody>
       </p:sp>
@@ -4472,6 +4064,52 @@
               <a:t>J_Language_Detection.R</a:t>
             </a:r>
             <a:endParaRPr lang="en-US" dirty="0"/>
+          </a:p>
+        </p:txBody>
+      </p:sp>
+      <p:sp>
+        <p:nvSpPr>
+          <p:cNvPr id="8" name="Footer Placeholder 4">
+            <a:extLst>
+              <a:ext uri="{FF2B5EF4-FFF2-40B4-BE49-F238E27FC236}">
+                <a16:creationId xmlns:a16="http://schemas.microsoft.com/office/drawing/2014/main" id="{0260359E-763A-2442-A20A-9D2B17DCA49A}"/>
+              </a:ext>
+            </a:extLst>
+          </p:cNvPr>
+          <p:cNvSpPr>
+            <a:spLocks noGrp="1"/>
+          </p:cNvSpPr>
+          <p:nvPr>
+            <p:ph type="ftr" sz="quarter" idx="3"/>
+          </p:nvPr>
+        </p:nvSpPr>
+        <p:spPr>
+          <a:xfrm>
+            <a:off x="3028950" y="6356351"/>
+            <a:ext cx="3086100" cy="365125"/>
+          </a:xfrm>
+          <a:prstGeom prst="rect">
+            <a:avLst/>
+          </a:prstGeom>
+        </p:spPr>
+        <p:txBody>
+          <a:bodyPr vert="horz" lIns="91440" tIns="45720" rIns="91440" bIns="45720" rtlCol="0" anchor="ctr"/>
+          <a:lstStyle>
+            <a:lvl1pPr algn="ctr">
+              <a:defRPr sz="900">
+                <a:solidFill>
+                  <a:schemeClr val="tx1">
+                    <a:tint val="75000"/>
+                  </a:schemeClr>
+                </a:solidFill>
+              </a:defRPr>
+            </a:lvl1pPr>
+          </a:lstStyle>
+          <a:p>
+            <a:r>
+              <a:rPr lang="en-US" dirty="0"/>
+              <a:t>Kwartler</a:t>
+            </a:r>
           </a:p>
         </p:txBody>
       </p:sp>
@@ -4528,7 +4166,7 @@
           <a:p>
             <a:fld id="{6700A58B-DD98-43D0-B791-721480A02982}" type="datetime1">
               <a:rPr lang="en-US" smtClean="0"/>
-              <a:t>6/10/20</a:t>
+              <a:t>1/2/21</a:t>
             </a:fld>
             <a:endParaRPr lang="en-US"/>
           </a:p>
@@ -4593,10 +4231,10 @@
       </p:sp>
       <p:sp>
         <p:nvSpPr>
-          <p:cNvPr id="5" name="Footer Placeholder 4">
+          <p:cNvPr id="6" name="Footer Placeholder 4">
             <a:extLst>
               <a:ext uri="{FF2B5EF4-FFF2-40B4-BE49-F238E27FC236}">
-                <a16:creationId xmlns:a16="http://schemas.microsoft.com/office/drawing/2014/main" id="{91763FB3-EBF4-0A47-B2CE-524A0C8EA9FF}"/>
+                <a16:creationId xmlns:a16="http://schemas.microsoft.com/office/drawing/2014/main" id="{D6180245-FE2E-764A-AF7A-6487C0BE2266}"/>
               </a:ext>
             </a:extLst>
           </p:cNvPr>
@@ -4607,16 +4245,33 @@
             <p:ph type="ftr" sz="quarter" idx="3"/>
           </p:nvPr>
         </p:nvSpPr>
-        <p:spPr/>
-        <p:txBody>
-          <a:bodyPr/>
-          <a:lstStyle/>
-          <a:p>
-            <a:r>
-              <a:rPr lang="en-US"/>
-              <a:t>Kwartler CSCI 6</a:t>
-            </a:r>
-            <a:endParaRPr lang="en-US" dirty="0"/>
+        <p:spPr>
+          <a:xfrm>
+            <a:off x="3028950" y="6356351"/>
+            <a:ext cx="3086100" cy="365125"/>
+          </a:xfrm>
+          <a:prstGeom prst="rect">
+            <a:avLst/>
+          </a:prstGeom>
+        </p:spPr>
+        <p:txBody>
+          <a:bodyPr vert="horz" lIns="91440" tIns="45720" rIns="91440" bIns="45720" rtlCol="0" anchor="ctr"/>
+          <a:lstStyle>
+            <a:lvl1pPr algn="ctr">
+              <a:defRPr sz="900">
+                <a:solidFill>
+                  <a:schemeClr val="tx1">
+                    <a:tint val="75000"/>
+                  </a:schemeClr>
+                </a:solidFill>
+              </a:defRPr>
+            </a:lvl1pPr>
+          </a:lstStyle>
+          <a:p>
+            <a:r>
+              <a:rPr lang="en-US" dirty="0"/>
+              <a:t>Kwartler</a:t>
+            </a:r>
           </a:p>
         </p:txBody>
       </p:sp>
@@ -4667,7 +4322,7 @@
           <a:p>
             <a:fld id="{6700A58B-DD98-43D0-B791-721480A02982}" type="datetime1">
               <a:rPr lang="en-US" smtClean="0"/>
-              <a:t>6/10/20</a:t>
+              <a:t>1/2/21</a:t>
             </a:fld>
             <a:endParaRPr lang="en-US"/>
           </a:p>
@@ -4881,10 +4536,10 @@
       </p:sp>
       <p:sp>
         <p:nvSpPr>
-          <p:cNvPr id="9" name="Footer Placeholder 4">
+          <p:cNvPr id="10" name="Footer Placeholder 4">
             <a:extLst>
               <a:ext uri="{FF2B5EF4-FFF2-40B4-BE49-F238E27FC236}">
-                <a16:creationId xmlns:a16="http://schemas.microsoft.com/office/drawing/2014/main" id="{313EBCE5-797A-5849-BFA7-4C46E9DC03C8}"/>
+                <a16:creationId xmlns:a16="http://schemas.microsoft.com/office/drawing/2014/main" id="{DA7D0732-351E-3B44-B69B-3B9316A7414B}"/>
               </a:ext>
             </a:extLst>
           </p:cNvPr>
@@ -4900,14 +4555,27 @@
             <a:off x="3028950" y="6356351"/>
             <a:ext cx="3086100" cy="365125"/>
           </a:xfrm>
-        </p:spPr>
-        <p:txBody>
-          <a:bodyPr/>
-          <a:lstStyle/>
+          <a:prstGeom prst="rect">
+            <a:avLst/>
+          </a:prstGeom>
+        </p:spPr>
+        <p:txBody>
+          <a:bodyPr vert="horz" lIns="91440" tIns="45720" rIns="91440" bIns="45720" rtlCol="0" anchor="ctr"/>
+          <a:lstStyle>
+            <a:lvl1pPr algn="ctr">
+              <a:defRPr sz="900">
+                <a:solidFill>
+                  <a:schemeClr val="tx1">
+                    <a:tint val="75000"/>
+                  </a:schemeClr>
+                </a:solidFill>
+              </a:defRPr>
+            </a:lvl1pPr>
+          </a:lstStyle>
           <a:p>
             <a:r>
               <a:rPr lang="en-US" dirty="0"/>
-              <a:t>Kwartler CSCI 96</a:t>
+              <a:t>Kwartler</a:t>
             </a:r>
           </a:p>
         </p:txBody>
@@ -4959,7 +4627,7 @@
           <a:p>
             <a:fld id="{6700A58B-DD98-43D0-B791-721480A02982}" type="datetime1">
               <a:rPr lang="en-US" smtClean="0"/>
-              <a:t>6/10/20</a:t>
+              <a:t>1/2/21</a:t>
             </a:fld>
             <a:endParaRPr lang="en-US"/>
           </a:p>
@@ -5225,10 +4893,10 @@
       </p:sp>
       <p:sp>
         <p:nvSpPr>
-          <p:cNvPr id="13" name="Footer Placeholder 4">
+          <p:cNvPr id="14" name="Footer Placeholder 4">
             <a:extLst>
               <a:ext uri="{FF2B5EF4-FFF2-40B4-BE49-F238E27FC236}">
-                <a16:creationId xmlns:a16="http://schemas.microsoft.com/office/drawing/2014/main" id="{5086B1CA-066B-4F4F-A22F-7ACC89AE2F10}"/>
+                <a16:creationId xmlns:a16="http://schemas.microsoft.com/office/drawing/2014/main" id="{46683BDC-B828-CF49-9276-CE9AB32E346F}"/>
               </a:ext>
             </a:extLst>
           </p:cNvPr>
@@ -5244,14 +4912,27 @@
             <a:off x="3028950" y="6356351"/>
             <a:ext cx="3086100" cy="365125"/>
           </a:xfrm>
-        </p:spPr>
-        <p:txBody>
-          <a:bodyPr/>
-          <a:lstStyle/>
+          <a:prstGeom prst="rect">
+            <a:avLst/>
+          </a:prstGeom>
+        </p:spPr>
+        <p:txBody>
+          <a:bodyPr vert="horz" lIns="91440" tIns="45720" rIns="91440" bIns="45720" rtlCol="0" anchor="ctr"/>
+          <a:lstStyle>
+            <a:lvl1pPr algn="ctr">
+              <a:defRPr sz="900">
+                <a:solidFill>
+                  <a:schemeClr val="tx1">
+                    <a:tint val="75000"/>
+                  </a:schemeClr>
+                </a:solidFill>
+              </a:defRPr>
+            </a:lvl1pPr>
+          </a:lstStyle>
           <a:p>
             <a:r>
               <a:rPr lang="en-US" dirty="0"/>
-              <a:t>Kwartler CSCI 96</a:t>
+              <a:t>Kwartler</a:t>
             </a:r>
           </a:p>
         </p:txBody>
@@ -5303,7 +4984,7 @@
           <a:p>
             <a:fld id="{6700A58B-DD98-43D0-B791-721480A02982}" type="datetime1">
               <a:rPr lang="en-US" smtClean="0"/>
-              <a:t>6/10/20</a:t>
+              <a:t>1/2/21</a:t>
             </a:fld>
             <a:endParaRPr lang="en-US"/>
           </a:p>
@@ -5564,10 +5245,10 @@
       </p:pic>
       <p:sp>
         <p:nvSpPr>
-          <p:cNvPr id="14" name="Footer Placeholder 4">
+          <p:cNvPr id="15" name="Footer Placeholder 4">
             <a:extLst>
               <a:ext uri="{FF2B5EF4-FFF2-40B4-BE49-F238E27FC236}">
-                <a16:creationId xmlns:a16="http://schemas.microsoft.com/office/drawing/2014/main" id="{DB4ED008-9E9C-2044-810C-5C2C89E2E378}"/>
+                <a16:creationId xmlns:a16="http://schemas.microsoft.com/office/drawing/2014/main" id="{EBA93F2D-2170-8C4E-A00E-7931A693DB39}"/>
               </a:ext>
             </a:extLst>
           </p:cNvPr>
@@ -5583,14 +5264,27 @@
             <a:off x="3028950" y="6356351"/>
             <a:ext cx="3086100" cy="365125"/>
           </a:xfrm>
-        </p:spPr>
-        <p:txBody>
-          <a:bodyPr/>
-          <a:lstStyle/>
+          <a:prstGeom prst="rect">
+            <a:avLst/>
+          </a:prstGeom>
+        </p:spPr>
+        <p:txBody>
+          <a:bodyPr vert="horz" lIns="91440" tIns="45720" rIns="91440" bIns="45720" rtlCol="0" anchor="ctr"/>
+          <a:lstStyle>
+            <a:lvl1pPr algn="ctr">
+              <a:defRPr sz="900">
+                <a:solidFill>
+                  <a:schemeClr val="tx1">
+                    <a:tint val="75000"/>
+                  </a:schemeClr>
+                </a:solidFill>
+              </a:defRPr>
+            </a:lvl1pPr>
+          </a:lstStyle>
           <a:p>
             <a:r>
               <a:rPr lang="en-US" dirty="0"/>
-              <a:t>Kwartler CSCI 96</a:t>
+              <a:t>Kwartler</a:t>
             </a:r>
           </a:p>
         </p:txBody>
@@ -5648,7 +5342,7 @@
           <a:p>
             <a:fld id="{6700A58B-DD98-43D0-B791-721480A02982}" type="datetime1">
               <a:rPr lang="en-US" smtClean="0"/>
-              <a:t>6/10/20</a:t>
+              <a:t>1/2/21</a:t>
             </a:fld>
             <a:endParaRPr lang="en-US"/>
           </a:p>
@@ -5708,35 +5402,6 @@
               <a:t>15</a:t>
             </a:fld>
             <a:endParaRPr lang="en-US"/>
-          </a:p>
-        </p:txBody>
-      </p:sp>
-      <p:sp>
-        <p:nvSpPr>
-          <p:cNvPr id="5" name="Footer Placeholder 4">
-            <a:extLst>
-              <a:ext uri="{FF2B5EF4-FFF2-40B4-BE49-F238E27FC236}">
-                <a16:creationId xmlns:a16="http://schemas.microsoft.com/office/drawing/2014/main" id="{E5900C39-A4AB-A04D-B672-19ACA335ACD6}"/>
-              </a:ext>
-            </a:extLst>
-          </p:cNvPr>
-          <p:cNvSpPr>
-            <a:spLocks noGrp="1"/>
-          </p:cNvSpPr>
-          <p:nvPr>
-            <p:ph type="ftr" sz="quarter" idx="3"/>
-          </p:nvPr>
-        </p:nvSpPr>
-        <p:spPr/>
-        <p:txBody>
-          <a:bodyPr/>
-          <a:lstStyle/>
-          <a:p>
-            <a:r>
-              <a:rPr lang="en-US"/>
-              <a:t>Kwartler CSCI 6</a:t>
-            </a:r>
-            <a:endParaRPr lang="en-US" dirty="0"/>
           </a:p>
         </p:txBody>
       </p:sp>
@@ -5811,6 +5476,52 @@
             <a:r>
               <a:rPr lang="en-US" dirty="0"/>
               <a:t>Formatting is really tough.  May require a lot of string manipulation </a:t>
+            </a:r>
+          </a:p>
+        </p:txBody>
+      </p:sp>
+      <p:sp>
+        <p:nvSpPr>
+          <p:cNvPr id="8" name="Footer Placeholder 4">
+            <a:extLst>
+              <a:ext uri="{FF2B5EF4-FFF2-40B4-BE49-F238E27FC236}">
+                <a16:creationId xmlns:a16="http://schemas.microsoft.com/office/drawing/2014/main" id="{6DF61E2F-2C31-6C4B-B0C0-548D26622058}"/>
+              </a:ext>
+            </a:extLst>
+          </p:cNvPr>
+          <p:cNvSpPr>
+            <a:spLocks noGrp="1"/>
+          </p:cNvSpPr>
+          <p:nvPr>
+            <p:ph type="ftr" sz="quarter" idx="3"/>
+          </p:nvPr>
+        </p:nvSpPr>
+        <p:spPr>
+          <a:xfrm>
+            <a:off x="3028950" y="6356351"/>
+            <a:ext cx="3086100" cy="365125"/>
+          </a:xfrm>
+          <a:prstGeom prst="rect">
+            <a:avLst/>
+          </a:prstGeom>
+        </p:spPr>
+        <p:txBody>
+          <a:bodyPr vert="horz" lIns="91440" tIns="45720" rIns="91440" bIns="45720" rtlCol="0" anchor="ctr"/>
+          <a:lstStyle>
+            <a:lvl1pPr algn="ctr">
+              <a:defRPr sz="900">
+                <a:solidFill>
+                  <a:schemeClr val="tx1">
+                    <a:tint val="75000"/>
+                  </a:schemeClr>
+                </a:solidFill>
+              </a:defRPr>
+            </a:lvl1pPr>
+          </a:lstStyle>
+          <a:p>
+            <a:r>
+              <a:rPr lang="en-US" dirty="0"/>
+              <a:t>Kwartler</a:t>
             </a:r>
           </a:p>
         </p:txBody>
@@ -5868,7 +5579,7 @@
           <a:p>
             <a:fld id="{6700A58B-DD98-43D0-B791-721480A02982}" type="datetime1">
               <a:rPr lang="en-US" smtClean="0"/>
-              <a:t>6/10/20</a:t>
+              <a:t>1/2/21</a:t>
             </a:fld>
             <a:endParaRPr lang="en-US"/>
           </a:p>
@@ -5928,35 +5639,6 @@
               <a:t>16</a:t>
             </a:fld>
             <a:endParaRPr lang="en-US"/>
-          </a:p>
-        </p:txBody>
-      </p:sp>
-      <p:sp>
-        <p:nvSpPr>
-          <p:cNvPr id="5" name="Footer Placeholder 4">
-            <a:extLst>
-              <a:ext uri="{FF2B5EF4-FFF2-40B4-BE49-F238E27FC236}">
-                <a16:creationId xmlns:a16="http://schemas.microsoft.com/office/drawing/2014/main" id="{E5900C39-A4AB-A04D-B672-19ACA335ACD6}"/>
-              </a:ext>
-            </a:extLst>
-          </p:cNvPr>
-          <p:cNvSpPr>
-            <a:spLocks noGrp="1"/>
-          </p:cNvSpPr>
-          <p:nvPr>
-            <p:ph type="ftr" sz="quarter" idx="3"/>
-          </p:nvPr>
-        </p:nvSpPr>
-        <p:spPr/>
-        <p:txBody>
-          <a:bodyPr/>
-          <a:lstStyle/>
-          <a:p>
-            <a:r>
-              <a:rPr lang="en-US"/>
-              <a:t>Kwartler CSCI 6</a:t>
-            </a:r>
-            <a:endParaRPr lang="en-US" dirty="0"/>
           </a:p>
         </p:txBody>
       </p:sp>
@@ -6037,6 +5719,52 @@
               <a:t>strsplit</a:t>
             </a:r>
             <a:endParaRPr lang="en-US" dirty="0"/>
+          </a:p>
+        </p:txBody>
+      </p:sp>
+      <p:sp>
+        <p:nvSpPr>
+          <p:cNvPr id="8" name="Footer Placeholder 4">
+            <a:extLst>
+              <a:ext uri="{FF2B5EF4-FFF2-40B4-BE49-F238E27FC236}">
+                <a16:creationId xmlns:a16="http://schemas.microsoft.com/office/drawing/2014/main" id="{60CBEF90-AA21-7642-A825-58D74275A09C}"/>
+              </a:ext>
+            </a:extLst>
+          </p:cNvPr>
+          <p:cNvSpPr>
+            <a:spLocks noGrp="1"/>
+          </p:cNvSpPr>
+          <p:nvPr>
+            <p:ph type="ftr" sz="quarter" idx="3"/>
+          </p:nvPr>
+        </p:nvSpPr>
+        <p:spPr>
+          <a:xfrm>
+            <a:off x="3028950" y="6356351"/>
+            <a:ext cx="3086100" cy="365125"/>
+          </a:xfrm>
+          <a:prstGeom prst="rect">
+            <a:avLst/>
+          </a:prstGeom>
+        </p:spPr>
+        <p:txBody>
+          <a:bodyPr vert="horz" lIns="91440" tIns="45720" rIns="91440" bIns="45720" rtlCol="0" anchor="ctr"/>
+          <a:lstStyle>
+            <a:lvl1pPr algn="ctr">
+              <a:defRPr sz="900">
+                <a:solidFill>
+                  <a:schemeClr val="tx1">
+                    <a:tint val="75000"/>
+                  </a:schemeClr>
+                </a:solidFill>
+              </a:defRPr>
+            </a:lvl1pPr>
+          </a:lstStyle>
+          <a:p>
+            <a:r>
+              <a:rPr lang="en-US" dirty="0"/>
+              <a:t>Kwartler</a:t>
+            </a:r>
           </a:p>
         </p:txBody>
       </p:sp>
@@ -6087,7 +5815,7 @@
           <a:p>
             <a:fld id="{6700A58B-DD98-43D0-B791-721480A02982}" type="datetime1">
               <a:rPr lang="en-US" smtClean="0"/>
-              <a:t>6/10/20</a:t>
+              <a:t>1/2/21</a:t>
             </a:fld>
             <a:endParaRPr lang="en-US"/>
           </a:p>
@@ -6187,10 +5915,10 @@
       </p:sp>
       <p:sp>
         <p:nvSpPr>
-          <p:cNvPr id="8" name="Footer Placeholder 4">
+          <p:cNvPr id="9" name="Footer Placeholder 4">
             <a:extLst>
               <a:ext uri="{FF2B5EF4-FFF2-40B4-BE49-F238E27FC236}">
-                <a16:creationId xmlns:a16="http://schemas.microsoft.com/office/drawing/2014/main" id="{3959ABFE-CFD4-784B-AB8F-95BCBD5CE8B3}"/>
+                <a16:creationId xmlns:a16="http://schemas.microsoft.com/office/drawing/2014/main" id="{753B32E9-64EB-BA4C-BF43-DB6132381D7C}"/>
               </a:ext>
             </a:extLst>
           </p:cNvPr>
@@ -6206,14 +5934,27 @@
             <a:off x="3028950" y="6356351"/>
             <a:ext cx="3086100" cy="365125"/>
           </a:xfrm>
-        </p:spPr>
-        <p:txBody>
-          <a:bodyPr/>
-          <a:lstStyle/>
+          <a:prstGeom prst="rect">
+            <a:avLst/>
+          </a:prstGeom>
+        </p:spPr>
+        <p:txBody>
+          <a:bodyPr vert="horz" lIns="91440" tIns="45720" rIns="91440" bIns="45720" rtlCol="0" anchor="ctr"/>
+          <a:lstStyle>
+            <a:lvl1pPr algn="ctr">
+              <a:defRPr sz="900">
+                <a:solidFill>
+                  <a:schemeClr val="tx1">
+                    <a:tint val="75000"/>
+                  </a:schemeClr>
+                </a:solidFill>
+              </a:defRPr>
+            </a:lvl1pPr>
+          </a:lstStyle>
           <a:p>
             <a:r>
               <a:rPr lang="en-US" dirty="0"/>
-              <a:t>Kwartler CSCI 96</a:t>
+              <a:t>Kwartler</a:t>
             </a:r>
           </a:p>
         </p:txBody>
@@ -6265,7 +6006,7 @@
           <a:p>
             <a:fld id="{6700A58B-DD98-43D0-B791-721480A02982}" type="datetime1">
               <a:rPr lang="en-US" smtClean="0"/>
-              <a:t>6/10/20</a:t>
+              <a:t>1/2/21</a:t>
             </a:fld>
             <a:endParaRPr lang="en-US"/>
           </a:p>
@@ -6568,7 +6309,7 @@
           <a:p>
             <a:fld id="{6700A58B-DD98-43D0-B791-721480A02982}" type="datetime1">
               <a:rPr lang="en-US" smtClean="0"/>
-              <a:t>6/10/20</a:t>
+              <a:t>1/2/21</a:t>
             </a:fld>
             <a:endParaRPr lang="en-US"/>
           </a:p>
@@ -6576,10 +6317,10 @@
       </p:sp>
       <p:sp>
         <p:nvSpPr>
-          <p:cNvPr id="8" name="Footer Placeholder 4">
+          <p:cNvPr id="9" name="Footer Placeholder 4">
             <a:extLst>
               <a:ext uri="{FF2B5EF4-FFF2-40B4-BE49-F238E27FC236}">
-                <a16:creationId xmlns:a16="http://schemas.microsoft.com/office/drawing/2014/main" id="{4E1C554A-922B-F14D-8506-695A7A3897CF}"/>
+                <a16:creationId xmlns:a16="http://schemas.microsoft.com/office/drawing/2014/main" id="{B2949833-DE46-574C-86F8-1ADBD9314FDA}"/>
               </a:ext>
             </a:extLst>
           </p:cNvPr>
@@ -6595,14 +6336,27 @@
             <a:off x="3028950" y="6356351"/>
             <a:ext cx="3086100" cy="365125"/>
           </a:xfrm>
-        </p:spPr>
-        <p:txBody>
-          <a:bodyPr/>
-          <a:lstStyle/>
+          <a:prstGeom prst="rect">
+            <a:avLst/>
+          </a:prstGeom>
+        </p:spPr>
+        <p:txBody>
+          <a:bodyPr vert="horz" lIns="91440" tIns="45720" rIns="91440" bIns="45720" rtlCol="0" anchor="ctr"/>
+          <a:lstStyle>
+            <a:lvl1pPr algn="ctr">
+              <a:defRPr sz="900">
+                <a:solidFill>
+                  <a:schemeClr val="tx1">
+                    <a:tint val="75000"/>
+                  </a:schemeClr>
+                </a:solidFill>
+              </a:defRPr>
+            </a:lvl1pPr>
+          </a:lstStyle>
           <a:p>
             <a:r>
               <a:rPr lang="en-US" dirty="0"/>
-              <a:t>Kwartler CSCI 96</a:t>
+              <a:t>Kwartler</a:t>
             </a:r>
           </a:p>
         </p:txBody>
@@ -6654,7 +6408,7 @@
           <a:p>
             <a:fld id="{6700A58B-DD98-43D0-B791-721480A02982}" type="datetime1">
               <a:rPr lang="en-US" smtClean="0"/>
-              <a:t>6/10/20</a:t>
+              <a:t>1/2/21</a:t>
             </a:fld>
             <a:endParaRPr lang="en-US"/>
           </a:p>
@@ -6767,10 +6521,10 @@
       </p:sp>
       <p:sp>
         <p:nvSpPr>
-          <p:cNvPr id="8" name="Footer Placeholder 4">
+          <p:cNvPr id="9" name="Footer Placeholder 4">
             <a:extLst>
               <a:ext uri="{FF2B5EF4-FFF2-40B4-BE49-F238E27FC236}">
-                <a16:creationId xmlns:a16="http://schemas.microsoft.com/office/drawing/2014/main" id="{FD088B64-E581-7F43-89F8-E8D2BA683AA5}"/>
+                <a16:creationId xmlns:a16="http://schemas.microsoft.com/office/drawing/2014/main" id="{C58A32D2-57ED-EC41-9236-F96F80F0541A}"/>
               </a:ext>
             </a:extLst>
           </p:cNvPr>
@@ -6786,14 +6540,27 @@
             <a:off x="3028950" y="6356351"/>
             <a:ext cx="3086100" cy="365125"/>
           </a:xfrm>
-        </p:spPr>
-        <p:txBody>
-          <a:bodyPr/>
-          <a:lstStyle/>
+          <a:prstGeom prst="rect">
+            <a:avLst/>
+          </a:prstGeom>
+        </p:spPr>
+        <p:txBody>
+          <a:bodyPr vert="horz" lIns="91440" tIns="45720" rIns="91440" bIns="45720" rtlCol="0" anchor="ctr"/>
+          <a:lstStyle>
+            <a:lvl1pPr algn="ctr">
+              <a:defRPr sz="900">
+                <a:solidFill>
+                  <a:schemeClr val="tx1">
+                    <a:tint val="75000"/>
+                  </a:schemeClr>
+                </a:solidFill>
+              </a:defRPr>
+            </a:lvl1pPr>
+          </a:lstStyle>
           <a:p>
             <a:r>
               <a:rPr lang="en-US" dirty="0"/>
-              <a:t>Kwartler CSCI 96</a:t>
+              <a:t>Kwartler</a:t>
             </a:r>
           </a:p>
         </p:txBody>
@@ -6845,7 +6612,7 @@
           <a:p>
             <a:fld id="{6700A58B-DD98-43D0-B791-721480A02982}" type="datetime1">
               <a:rPr lang="en-US" smtClean="0"/>
-              <a:t>6/10/20</a:t>
+              <a:t>1/2/21</a:t>
             </a:fld>
             <a:endParaRPr lang="en-US"/>
           </a:p>
@@ -6929,10 +6696,10 @@
       </p:pic>
       <p:sp>
         <p:nvSpPr>
-          <p:cNvPr id="8" name="Footer Placeholder 4">
+          <p:cNvPr id="9" name="Footer Placeholder 4">
             <a:extLst>
               <a:ext uri="{FF2B5EF4-FFF2-40B4-BE49-F238E27FC236}">
-                <a16:creationId xmlns:a16="http://schemas.microsoft.com/office/drawing/2014/main" id="{ED035291-60F1-B344-AD60-2F13CFA244C3}"/>
+                <a16:creationId xmlns:a16="http://schemas.microsoft.com/office/drawing/2014/main" id="{F4A58804-A236-6D47-B4F6-F7677802A1EC}"/>
               </a:ext>
             </a:extLst>
           </p:cNvPr>
@@ -6948,14 +6715,27 @@
             <a:off x="3028950" y="6356351"/>
             <a:ext cx="3086100" cy="365125"/>
           </a:xfrm>
-        </p:spPr>
-        <p:txBody>
-          <a:bodyPr/>
-          <a:lstStyle/>
+          <a:prstGeom prst="rect">
+            <a:avLst/>
+          </a:prstGeom>
+        </p:spPr>
+        <p:txBody>
+          <a:bodyPr vert="horz" lIns="91440" tIns="45720" rIns="91440" bIns="45720" rtlCol="0" anchor="ctr"/>
+          <a:lstStyle>
+            <a:lvl1pPr algn="ctr">
+              <a:defRPr sz="900">
+                <a:solidFill>
+                  <a:schemeClr val="tx1">
+                    <a:tint val="75000"/>
+                  </a:schemeClr>
+                </a:solidFill>
+              </a:defRPr>
+            </a:lvl1pPr>
+          </a:lstStyle>
           <a:p>
             <a:r>
               <a:rPr lang="en-US" dirty="0"/>
-              <a:t>Kwartler CSCI 96</a:t>
+              <a:t>Kwartler</a:t>
             </a:r>
           </a:p>
         </p:txBody>
@@ -7251,7 +7031,7 @@
           <a:p>
             <a:fld id="{6700A58B-DD98-43D0-B791-721480A02982}" type="datetime1">
               <a:rPr lang="en-US" smtClean="0"/>
-              <a:t>6/10/20</a:t>
+              <a:t>1/2/21</a:t>
             </a:fld>
             <a:endParaRPr lang="en-US"/>
           </a:p>
@@ -7259,10 +7039,10 @@
       </p:sp>
       <p:sp>
         <p:nvSpPr>
-          <p:cNvPr id="16" name="Footer Placeholder 4">
+          <p:cNvPr id="11" name="Footer Placeholder 4">
             <a:extLst>
               <a:ext uri="{FF2B5EF4-FFF2-40B4-BE49-F238E27FC236}">
-                <a16:creationId xmlns:a16="http://schemas.microsoft.com/office/drawing/2014/main" id="{417D3A7F-49EF-5B46-A811-B444FCADB6DE}"/>
+                <a16:creationId xmlns:a16="http://schemas.microsoft.com/office/drawing/2014/main" id="{5A05274F-873D-BC49-8CEF-52B3CD5A12C2}"/>
               </a:ext>
             </a:extLst>
           </p:cNvPr>
@@ -7278,14 +7058,27 @@
             <a:off x="3028950" y="6356351"/>
             <a:ext cx="3086100" cy="365125"/>
           </a:xfrm>
-        </p:spPr>
-        <p:txBody>
-          <a:bodyPr/>
-          <a:lstStyle/>
+          <a:prstGeom prst="rect">
+            <a:avLst/>
+          </a:prstGeom>
+        </p:spPr>
+        <p:txBody>
+          <a:bodyPr vert="horz" lIns="91440" tIns="45720" rIns="91440" bIns="45720" rtlCol="0" anchor="ctr"/>
+          <a:lstStyle>
+            <a:lvl1pPr algn="ctr">
+              <a:defRPr sz="900">
+                <a:solidFill>
+                  <a:schemeClr val="tx1">
+                    <a:tint val="75000"/>
+                  </a:schemeClr>
+                </a:solidFill>
+              </a:defRPr>
+            </a:lvl1pPr>
+          </a:lstStyle>
           <a:p>
             <a:r>
               <a:rPr lang="en-US" dirty="0"/>
-              <a:t>Kwartler CSCI 96</a:t>
+              <a:t>Kwartler</a:t>
             </a:r>
           </a:p>
         </p:txBody>
@@ -8164,7 +7957,7 @@
           <a:p>
             <a:fld id="{6700A58B-DD98-43D0-B791-721480A02982}" type="datetime1">
               <a:rPr lang="en-US" smtClean="0"/>
-              <a:t>6/10/20</a:t>
+              <a:t>1/2/21</a:t>
             </a:fld>
             <a:endParaRPr lang="en-US"/>
           </a:p>
@@ -8172,10 +7965,10 @@
       </p:sp>
       <p:sp>
         <p:nvSpPr>
-          <p:cNvPr id="33" name="Footer Placeholder 4">
+          <p:cNvPr id="32" name="Footer Placeholder 4">
             <a:extLst>
               <a:ext uri="{FF2B5EF4-FFF2-40B4-BE49-F238E27FC236}">
-                <a16:creationId xmlns:a16="http://schemas.microsoft.com/office/drawing/2014/main" id="{4B4E0690-B9AC-9C47-9388-9D55C640330D}"/>
+                <a16:creationId xmlns:a16="http://schemas.microsoft.com/office/drawing/2014/main" id="{67BD0938-81CE-064E-B1BB-5089A77691F5}"/>
               </a:ext>
             </a:extLst>
           </p:cNvPr>
@@ -8191,14 +7984,27 @@
             <a:off x="3028950" y="6356351"/>
             <a:ext cx="3086100" cy="365125"/>
           </a:xfrm>
-        </p:spPr>
-        <p:txBody>
-          <a:bodyPr/>
-          <a:lstStyle/>
+          <a:prstGeom prst="rect">
+            <a:avLst/>
+          </a:prstGeom>
+        </p:spPr>
+        <p:txBody>
+          <a:bodyPr vert="horz" lIns="91440" tIns="45720" rIns="91440" bIns="45720" rtlCol="0" anchor="ctr"/>
+          <a:lstStyle>
+            <a:lvl1pPr algn="ctr">
+              <a:defRPr sz="900">
+                <a:solidFill>
+                  <a:schemeClr val="tx1">
+                    <a:tint val="75000"/>
+                  </a:schemeClr>
+                </a:solidFill>
+              </a:defRPr>
+            </a:lvl1pPr>
+          </a:lstStyle>
           <a:p>
             <a:r>
               <a:rPr lang="en-US" dirty="0"/>
-              <a:t>Kwartler CSCI 96</a:t>
+              <a:t>Kwartler</a:t>
             </a:r>
           </a:p>
         </p:txBody>
@@ -8426,7 +8232,7 @@
           <a:p>
             <a:fld id="{6700A58B-DD98-43D0-B791-721480A02982}" type="datetime1">
               <a:rPr lang="en-US" smtClean="0"/>
-              <a:t>6/10/20</a:t>
+              <a:t>1/2/21</a:t>
             </a:fld>
             <a:endParaRPr lang="en-US"/>
           </a:p>
@@ -8434,10 +8240,10 @@
       </p:sp>
       <p:sp>
         <p:nvSpPr>
-          <p:cNvPr id="11" name="Footer Placeholder 4">
+          <p:cNvPr id="8" name="Footer Placeholder 4">
             <a:extLst>
               <a:ext uri="{FF2B5EF4-FFF2-40B4-BE49-F238E27FC236}">
-                <a16:creationId xmlns:a16="http://schemas.microsoft.com/office/drawing/2014/main" id="{39484181-4D10-1E4B-8722-AEE46D7EE0D2}"/>
+                <a16:creationId xmlns:a16="http://schemas.microsoft.com/office/drawing/2014/main" id="{B31AF000-1B23-0149-82F5-0A48D2AA6B17}"/>
               </a:ext>
             </a:extLst>
           </p:cNvPr>
@@ -8453,14 +8259,27 @@
             <a:off x="3028950" y="6356351"/>
             <a:ext cx="3086100" cy="365125"/>
           </a:xfrm>
-        </p:spPr>
-        <p:txBody>
-          <a:bodyPr/>
-          <a:lstStyle/>
+          <a:prstGeom prst="rect">
+            <a:avLst/>
+          </a:prstGeom>
+        </p:spPr>
+        <p:txBody>
+          <a:bodyPr vert="horz" lIns="91440" tIns="45720" rIns="91440" bIns="45720" rtlCol="0" anchor="ctr"/>
+          <a:lstStyle>
+            <a:lvl1pPr algn="ctr">
+              <a:defRPr sz="900">
+                <a:solidFill>
+                  <a:schemeClr val="tx1">
+                    <a:tint val="75000"/>
+                  </a:schemeClr>
+                </a:solidFill>
+              </a:defRPr>
+            </a:lvl1pPr>
+          </a:lstStyle>
           <a:p>
             <a:r>
               <a:rPr lang="en-US" dirty="0"/>
-              <a:t>Kwartler CSCI 96</a:t>
+              <a:t>Kwartler</a:t>
             </a:r>
           </a:p>
         </p:txBody>
